--- a/Challenge_6/Challenge6.pptx
+++ b/Challenge_6/Challenge6.pptx
@@ -8,7 +8,6 @@
     <p:sldId id="256" r:id="rId2"/>
     <p:sldId id="257" r:id="rId3"/>
     <p:sldId id="258" r:id="rId4"/>
-    <p:sldId id="259" r:id="rId5"/>
   </p:sldIdLst>
   <p:sldSz cx="6858000" cy="9144000" type="screen4x3"/>
   <p:notesSz cx="6858000" cy="9144000"/>
@@ -291,7 +290,7 @@
           <a:p>
             <a:fld id="{F55BCCFD-46E4-CF48-827B-5A367C033309}" type="datetimeFigureOut">
               <a:rPr kumimoji="1" lang="ja-JP" altLang="en-US" smtClean="0"/>
-              <a:t>15/11/19</a:t>
+              <a:t>15/11/20</a:t>
             </a:fld>
             <a:endParaRPr kumimoji="1" lang="ja-JP" altLang="en-US"/>
           </a:p>
@@ -493,7 +492,7 @@
           <a:p>
             <a:fld id="{F55BCCFD-46E4-CF48-827B-5A367C033309}" type="datetimeFigureOut">
               <a:rPr kumimoji="1" lang="ja-JP" altLang="en-US" smtClean="0"/>
-              <a:t>15/11/19</a:t>
+              <a:t>15/11/20</a:t>
             </a:fld>
             <a:endParaRPr kumimoji="1" lang="ja-JP" altLang="en-US"/>
           </a:p>
@@ -705,7 +704,7 @@
           <a:p>
             <a:fld id="{F55BCCFD-46E4-CF48-827B-5A367C033309}" type="datetimeFigureOut">
               <a:rPr kumimoji="1" lang="ja-JP" altLang="en-US" smtClean="0"/>
-              <a:t>15/11/19</a:t>
+              <a:t>15/11/20</a:t>
             </a:fld>
             <a:endParaRPr kumimoji="1" lang="ja-JP" altLang="en-US"/>
           </a:p>
@@ -907,7 +906,7 @@
           <a:p>
             <a:fld id="{F55BCCFD-46E4-CF48-827B-5A367C033309}" type="datetimeFigureOut">
               <a:rPr kumimoji="1" lang="ja-JP" altLang="en-US" smtClean="0"/>
-              <a:t>15/11/19</a:t>
+              <a:t>15/11/20</a:t>
             </a:fld>
             <a:endParaRPr kumimoji="1" lang="ja-JP" altLang="en-US"/>
           </a:p>
@@ -1153,7 +1152,7 @@
           <a:p>
             <a:fld id="{F55BCCFD-46E4-CF48-827B-5A367C033309}" type="datetimeFigureOut">
               <a:rPr kumimoji="1" lang="ja-JP" altLang="en-US" smtClean="0"/>
-              <a:t>15/11/19</a:t>
+              <a:t>15/11/20</a:t>
             </a:fld>
             <a:endParaRPr kumimoji="1" lang="ja-JP" altLang="en-US"/>
           </a:p>
@@ -1505,7 +1504,7 @@
           <a:p>
             <a:fld id="{F55BCCFD-46E4-CF48-827B-5A367C033309}" type="datetimeFigureOut">
               <a:rPr kumimoji="1" lang="ja-JP" altLang="en-US" smtClean="0"/>
-              <a:t>15/11/19</a:t>
+              <a:t>15/11/20</a:t>
             </a:fld>
             <a:endParaRPr kumimoji="1" lang="ja-JP" altLang="en-US"/>
           </a:p>
@@ -1991,7 +1990,7 @@
           <a:p>
             <a:fld id="{F55BCCFD-46E4-CF48-827B-5A367C033309}" type="datetimeFigureOut">
               <a:rPr kumimoji="1" lang="ja-JP" altLang="en-US" smtClean="0"/>
-              <a:t>15/11/19</a:t>
+              <a:t>15/11/20</a:t>
             </a:fld>
             <a:endParaRPr kumimoji="1" lang="ja-JP" altLang="en-US"/>
           </a:p>
@@ -2109,7 +2108,7 @@
           <a:p>
             <a:fld id="{F55BCCFD-46E4-CF48-827B-5A367C033309}" type="datetimeFigureOut">
               <a:rPr kumimoji="1" lang="ja-JP" altLang="en-US" smtClean="0"/>
-              <a:t>15/11/19</a:t>
+              <a:t>15/11/20</a:t>
             </a:fld>
             <a:endParaRPr kumimoji="1" lang="ja-JP" altLang="en-US"/>
           </a:p>
@@ -2204,7 +2203,7 @@
           <a:p>
             <a:fld id="{F55BCCFD-46E4-CF48-827B-5A367C033309}" type="datetimeFigureOut">
               <a:rPr kumimoji="1" lang="ja-JP" altLang="en-US" smtClean="0"/>
-              <a:t>15/11/19</a:t>
+              <a:t>15/11/20</a:t>
             </a:fld>
             <a:endParaRPr kumimoji="1" lang="ja-JP" altLang="en-US"/>
           </a:p>
@@ -2513,7 +2512,7 @@
           <a:p>
             <a:fld id="{F55BCCFD-46E4-CF48-827B-5A367C033309}" type="datetimeFigureOut">
               <a:rPr kumimoji="1" lang="ja-JP" altLang="en-US" smtClean="0"/>
-              <a:t>15/11/19</a:t>
+              <a:t>15/11/20</a:t>
             </a:fld>
             <a:endParaRPr kumimoji="1" lang="ja-JP" altLang="en-US"/>
           </a:p>
@@ -2766,7 +2765,7 @@
           <a:p>
             <a:fld id="{F55BCCFD-46E4-CF48-827B-5A367C033309}" type="datetimeFigureOut">
               <a:rPr kumimoji="1" lang="ja-JP" altLang="en-US" smtClean="0"/>
-              <a:t>15/11/19</a:t>
+              <a:t>15/11/20</a:t>
             </a:fld>
             <a:endParaRPr kumimoji="1" lang="ja-JP" altLang="en-US"/>
           </a:p>
@@ -3011,7 +3010,7 @@
           <a:p>
             <a:fld id="{F55BCCFD-46E4-CF48-827B-5A367C033309}" type="datetimeFigureOut">
               <a:rPr kumimoji="1" lang="ja-JP" altLang="en-US" smtClean="0"/>
-              <a:t>15/11/19</a:t>
+              <a:t>15/11/20</a:t>
             </a:fld>
             <a:endParaRPr kumimoji="1" lang="ja-JP" altLang="en-US"/>
           </a:p>
@@ -3440,11 +3439,7 @@
           <a:p>
             <a:r>
               <a:rPr lang="en-US" altLang="ja-JP" dirty="0" smtClean="0"/>
-              <a:t>Challenge6_</a:t>
-            </a:r>
-            <a:r>
-              <a:rPr lang="en-US" altLang="ja-JP" dirty="0" smtClean="0"/>
-              <a:t>1</a:t>
+              <a:t>Challenge6_1</a:t>
             </a:r>
             <a:endParaRPr kumimoji="1" lang="ja-JP" altLang="en-US" dirty="0"/>
           </a:p>
@@ -3504,11 +3499,7 @@
           <a:p>
             <a:r>
               <a:rPr lang="en-US" altLang="ja-JP" dirty="0" smtClean="0"/>
-              <a:t>Challenge6_</a:t>
-            </a:r>
-            <a:r>
-              <a:rPr lang="en-US" altLang="ja-JP" dirty="0" smtClean="0"/>
-              <a:t>2</a:t>
+              <a:t>Challenge6_2</a:t>
             </a:r>
           </a:p>
         </p:txBody>
@@ -3601,11 +3592,7 @@
           <a:p>
             <a:r>
               <a:rPr lang="en-US" altLang="ja-JP" dirty="0" smtClean="0"/>
-              <a:t>Challenge6_</a:t>
-            </a:r>
-            <a:r>
-              <a:rPr lang="en-US" altLang="ja-JP" dirty="0" smtClean="0"/>
-              <a:t>4</a:t>
+              <a:t>Challenge6_4</a:t>
             </a:r>
           </a:p>
         </p:txBody>
@@ -3762,11 +3749,7 @@
           <a:p>
             <a:r>
               <a:rPr lang="en-US" altLang="ja-JP" dirty="0" smtClean="0"/>
-              <a:t>Challenge6_</a:t>
-            </a:r>
-            <a:r>
-              <a:rPr lang="en-US" altLang="ja-JP" dirty="0" smtClean="0"/>
-              <a:t>7</a:t>
+              <a:t>Challenge6_7</a:t>
             </a:r>
           </a:p>
         </p:txBody>
@@ -3963,8 +3946,8 @@
         </p:nvSpPr>
         <p:spPr>
           <a:xfrm>
-            <a:off x="291634" y="232265"/>
-            <a:ext cx="1686091" cy="369332"/>
+            <a:off x="0" y="0"/>
+            <a:ext cx="1454132" cy="369332"/>
           </a:xfrm>
           <a:prstGeom prst="rect">
             <a:avLst/>
@@ -3979,145 +3962,7 @@
           <a:p>
             <a:r>
               <a:rPr lang="en-US" altLang="ja-JP" dirty="0" smtClean="0"/>
-              <a:t>Challenge</a:t>
-            </a:r>
-            <a:r>
-              <a:rPr lang="en-US" altLang="ja-JP" dirty="0" smtClean="0"/>
-              <a:t>6</a:t>
-            </a:r>
-            <a:r>
-              <a:rPr lang="en-US" altLang="ja-JP" dirty="0" smtClean="0"/>
-              <a:t>_</a:t>
-            </a:r>
-            <a:r>
-              <a:rPr lang="en-US" altLang="ja-JP" dirty="0" smtClean="0"/>
-              <a:t>9_1</a:t>
-            </a:r>
-            <a:endParaRPr kumimoji="1" lang="ja-JP" altLang="en-US" dirty="0"/>
-          </a:p>
-        </p:txBody>
-      </p:sp>
-      <p:sp>
-        <p:nvSpPr>
-          <p:cNvPr id="8" name="テキスト ボックス 7"/>
-          <p:cNvSpPr txBox="1"/>
-          <p:nvPr/>
-        </p:nvSpPr>
-        <p:spPr>
-          <a:xfrm>
-            <a:off x="291634" y="2277962"/>
-            <a:ext cx="1686091" cy="369332"/>
-          </a:xfrm>
-          <a:prstGeom prst="rect">
-            <a:avLst/>
-          </a:prstGeom>
-          <a:noFill/>
-        </p:spPr>
-        <p:txBody>
-          <a:bodyPr wrap="none" rtlCol="0">
-            <a:spAutoFit/>
-          </a:bodyPr>
-          <a:lstStyle/>
-          <a:p>
-            <a:r>
-              <a:rPr lang="en-US" altLang="ja-JP" dirty="0" smtClean="0"/>
-              <a:t>Challenge</a:t>
-            </a:r>
-            <a:r>
-              <a:rPr lang="en-US" altLang="ja-JP" dirty="0" smtClean="0"/>
-              <a:t>6</a:t>
-            </a:r>
-            <a:r>
-              <a:rPr lang="en-US" altLang="ja-JP" dirty="0" smtClean="0"/>
-              <a:t>_</a:t>
-            </a:r>
-            <a:r>
-              <a:rPr lang="en-US" altLang="ja-JP" dirty="0" smtClean="0"/>
-              <a:t>9_2</a:t>
-            </a:r>
-            <a:endParaRPr kumimoji="1" lang="ja-JP" altLang="en-US" dirty="0"/>
-          </a:p>
-        </p:txBody>
-      </p:sp>
-      <p:sp>
-        <p:nvSpPr>
-          <p:cNvPr id="9" name="テキスト ボックス 8"/>
-          <p:cNvSpPr txBox="1"/>
-          <p:nvPr/>
-        </p:nvSpPr>
-        <p:spPr>
-          <a:xfrm>
-            <a:off x="291635" y="4120494"/>
-            <a:ext cx="1686091" cy="369332"/>
-          </a:xfrm>
-          <a:prstGeom prst="rect">
-            <a:avLst/>
-          </a:prstGeom>
-          <a:noFill/>
-        </p:spPr>
-        <p:txBody>
-          <a:bodyPr wrap="none" rtlCol="0">
-            <a:spAutoFit/>
-          </a:bodyPr>
-          <a:lstStyle/>
-          <a:p>
-            <a:r>
-              <a:rPr lang="en-US" altLang="ja-JP" dirty="0" smtClean="0"/>
-              <a:t>Challenge</a:t>
-            </a:r>
-            <a:r>
-              <a:rPr lang="en-US" altLang="ja-JP" dirty="0" smtClean="0"/>
-              <a:t>6</a:t>
-            </a:r>
-            <a:r>
-              <a:rPr lang="en-US" altLang="ja-JP" dirty="0" smtClean="0"/>
-              <a:t>_</a:t>
-            </a:r>
-            <a:r>
-              <a:rPr lang="en-US" altLang="ja-JP" dirty="0" smtClean="0"/>
-              <a:t>9_3</a:t>
-            </a:r>
-            <a:endParaRPr kumimoji="1" lang="ja-JP" altLang="en-US" dirty="0"/>
-          </a:p>
-        </p:txBody>
-      </p:sp>
-      <p:sp>
-        <p:nvSpPr>
-          <p:cNvPr id="10" name="テキスト ボックス 9"/>
-          <p:cNvSpPr txBox="1"/>
-          <p:nvPr/>
-        </p:nvSpPr>
-        <p:spPr>
-          <a:xfrm>
-            <a:off x="291634" y="6407526"/>
-            <a:ext cx="1686091" cy="369332"/>
-          </a:xfrm>
-          <a:prstGeom prst="rect">
-            <a:avLst/>
-          </a:prstGeom>
-          <a:noFill/>
-        </p:spPr>
-        <p:txBody>
-          <a:bodyPr wrap="none" rtlCol="0">
-            <a:spAutoFit/>
-          </a:bodyPr>
-          <a:lstStyle/>
-          <a:p>
-            <a:r>
-              <a:rPr lang="en-US" altLang="ja-JP" dirty="0" smtClean="0"/>
-              <a:t>Challenge</a:t>
-            </a:r>
-            <a:r>
-              <a:rPr lang="en-US" altLang="ja-JP" dirty="0" smtClean="0"/>
-              <a:t>6</a:t>
-            </a:r>
-            <a:r>
-              <a:rPr lang="en-US" altLang="ja-JP" dirty="0" smtClean="0"/>
-              <a:t>_</a:t>
-            </a:r>
-            <a:r>
-              <a:rPr lang="en-US" altLang="ja-JP" dirty="0" smtClean="0"/>
-              <a:t>9_4</a:t>
+              <a:t>Challenge6_9</a:t>
             </a:r>
             <a:endParaRPr kumimoji="1" lang="ja-JP" altLang="en-US" dirty="0"/>
           </a:p>
@@ -4125,7 +3970,7 @@
       </p:sp>
       <p:pic>
         <p:nvPicPr>
-          <p:cNvPr id="11" name="図 10" descr="challenge6_9_1.png"/>
+          <p:cNvPr id="3" name="図 2" descr="スクリーンショット 2015-11-20 10.19.33.png"/>
           <p:cNvPicPr>
             <a:picLocks noChangeAspect="1"/>
           </p:cNvPicPr>
@@ -4145,8 +3990,8 @@
         </p:blipFill>
         <p:spPr>
           <a:xfrm>
-            <a:off x="291634" y="643636"/>
-            <a:ext cx="6366711" cy="1609078"/>
+            <a:off x="0" y="369332"/>
+            <a:ext cx="6858000" cy="2746401"/>
           </a:xfrm>
           <a:prstGeom prst="rect">
             <a:avLst/>
@@ -4155,7 +4000,7 @@
       </p:pic>
       <p:pic>
         <p:nvPicPr>
-          <p:cNvPr id="12" name="図 11" descr="challenge6_9_2.png"/>
+          <p:cNvPr id="5" name="図 4" descr="スクリーンショット 2015-11-20 10.21.30.png"/>
           <p:cNvPicPr>
             <a:picLocks noChangeAspect="1"/>
           </p:cNvPicPr>
@@ -4175,68 +4020,8 @@
         </p:blipFill>
         <p:spPr>
           <a:xfrm>
-            <a:off x="291634" y="2647294"/>
-            <a:ext cx="6366709" cy="1473200"/>
-          </a:xfrm>
-          <a:prstGeom prst="rect">
-            <a:avLst/>
-          </a:prstGeom>
-        </p:spPr>
-      </p:pic>
-      <p:pic>
-        <p:nvPicPr>
-          <p:cNvPr id="13" name="図 12" descr="challenge6_9_3.png"/>
-          <p:cNvPicPr>
-            <a:picLocks noChangeAspect="1"/>
-          </p:cNvPicPr>
-          <p:nvPr/>
-        </p:nvPicPr>
-        <p:blipFill>
-          <a:blip r:embed="rId4">
-            <a:extLst>
-              <a:ext uri="{28A0092B-C50C-407E-A947-70E740481C1C}">
-                <a14:useLocalDpi xmlns:a14="http://schemas.microsoft.com/office/drawing/2010/main" val="0"/>
-              </a:ext>
-            </a:extLst>
-          </a:blip>
-          <a:stretch>
-            <a:fillRect/>
-          </a:stretch>
-        </p:blipFill>
-        <p:spPr>
-          <a:xfrm>
-            <a:off x="291635" y="4489826"/>
-            <a:ext cx="6366708" cy="1917700"/>
-          </a:xfrm>
-          <a:prstGeom prst="rect">
-            <a:avLst/>
-          </a:prstGeom>
-        </p:spPr>
-      </p:pic>
-      <p:pic>
-        <p:nvPicPr>
-          <p:cNvPr id="14" name="図 13" descr="challenge6_9_4.png"/>
-          <p:cNvPicPr>
-            <a:picLocks noChangeAspect="1"/>
-          </p:cNvPicPr>
-          <p:nvPr/>
-        </p:nvPicPr>
-        <p:blipFill>
-          <a:blip r:embed="rId5">
-            <a:extLst>
-              <a:ext uri="{28A0092B-C50C-407E-A947-70E740481C1C}">
-                <a14:useLocalDpi xmlns:a14="http://schemas.microsoft.com/office/drawing/2010/main" val="0"/>
-              </a:ext>
-            </a:extLst>
-          </a:blip>
-          <a:stretch>
-            <a:fillRect/>
-          </a:stretch>
-        </p:blipFill>
-        <p:spPr>
-          <a:xfrm>
-            <a:off x="291633" y="6781800"/>
-            <a:ext cx="6366712" cy="2049544"/>
+            <a:off x="0" y="3776133"/>
+            <a:ext cx="6858000" cy="5367867"/>
           </a:xfrm>
           <a:prstGeom prst="rect">
             <a:avLst/>
@@ -4247,180 +4032,6 @@
     <p:extLst>
       <p:ext uri="{BB962C8B-B14F-4D97-AF65-F5344CB8AC3E}">
         <p14:creationId xmlns:p14="http://schemas.microsoft.com/office/powerpoint/2010/main" val="381223274"/>
-      </p:ext>
-    </p:extLst>
-  </p:cSld>
-  <p:clrMapOvr>
-    <a:masterClrMapping/>
-  </p:clrMapOvr>
-</p:sld>
-</file>
-
-<file path=ppt/slides/slide4.xml><?xml version="1.0" encoding="utf-8"?>
-<p:sld xmlns:a="http://schemas.openxmlformats.org/drawingml/2006/main" xmlns:r="http://schemas.openxmlformats.org/officeDocument/2006/relationships" xmlns:p="http://schemas.openxmlformats.org/presentationml/2006/main">
-  <p:cSld>
-    <p:spTree>
-      <p:nvGrpSpPr>
-        <p:cNvPr id="1" name=""/>
-        <p:cNvGrpSpPr/>
-        <p:nvPr/>
-      </p:nvGrpSpPr>
-      <p:grpSpPr>
-        <a:xfrm>
-          <a:off x="0" y="0"/>
-          <a:ext cx="0" cy="0"/>
-          <a:chOff x="0" y="0"/>
-          <a:chExt cx="0" cy="0"/>
-        </a:xfrm>
-      </p:grpSpPr>
-      <p:pic>
-        <p:nvPicPr>
-          <p:cNvPr id="4" name="図 3" descr="challenge6_9_5.png"/>
-          <p:cNvPicPr>
-            <a:picLocks noChangeAspect="1"/>
-          </p:cNvPicPr>
-          <p:nvPr/>
-        </p:nvPicPr>
-        <p:blipFill>
-          <a:blip r:embed="rId2">
-            <a:extLst>
-              <a:ext uri="{28A0092B-C50C-407E-A947-70E740481C1C}">
-                <a14:useLocalDpi xmlns:a14="http://schemas.microsoft.com/office/drawing/2010/main" val="0"/>
-              </a:ext>
-            </a:extLst>
-          </a:blip>
-          <a:stretch>
-            <a:fillRect/>
-          </a:stretch>
-        </p:blipFill>
-        <p:spPr>
-          <a:xfrm>
-            <a:off x="288656" y="590985"/>
-            <a:ext cx="5943600" cy="2121909"/>
-          </a:xfrm>
-          <a:prstGeom prst="rect">
-            <a:avLst/>
-          </a:prstGeom>
-        </p:spPr>
-      </p:pic>
-      <p:pic>
-        <p:nvPicPr>
-          <p:cNvPr id="5" name="図 4" descr="challenge6_9_6.png"/>
-          <p:cNvPicPr>
-            <a:picLocks noChangeAspect="1"/>
-          </p:cNvPicPr>
-          <p:nvPr/>
-        </p:nvPicPr>
-        <p:blipFill>
-          <a:blip r:embed="rId3">
-            <a:extLst>
-              <a:ext uri="{28A0092B-C50C-407E-A947-70E740481C1C}">
-                <a14:useLocalDpi xmlns:a14="http://schemas.microsoft.com/office/drawing/2010/main" val="0"/>
-              </a:ext>
-            </a:extLst>
-          </a:blip>
-          <a:stretch>
-            <a:fillRect/>
-          </a:stretch>
-        </p:blipFill>
-        <p:spPr>
-          <a:xfrm>
-            <a:off x="288656" y="3586140"/>
-            <a:ext cx="5880100" cy="2185979"/>
-          </a:xfrm>
-          <a:prstGeom prst="rect">
-            <a:avLst/>
-          </a:prstGeom>
-        </p:spPr>
-      </p:pic>
-      <p:sp>
-        <p:nvSpPr>
-          <p:cNvPr id="6" name="テキスト ボックス 5"/>
-          <p:cNvSpPr txBox="1"/>
-          <p:nvPr/>
-        </p:nvSpPr>
-        <p:spPr>
-          <a:xfrm>
-            <a:off x="291635" y="232265"/>
-            <a:ext cx="1686091" cy="369332"/>
-          </a:xfrm>
-          <a:prstGeom prst="rect">
-            <a:avLst/>
-          </a:prstGeom>
-          <a:noFill/>
-        </p:spPr>
-        <p:txBody>
-          <a:bodyPr wrap="none" rtlCol="0">
-            <a:spAutoFit/>
-          </a:bodyPr>
-          <a:lstStyle/>
-          <a:p>
-            <a:r>
-              <a:rPr lang="en-US" altLang="ja-JP" dirty="0" smtClean="0"/>
-              <a:t>Challenge</a:t>
-            </a:r>
-            <a:r>
-              <a:rPr lang="en-US" altLang="ja-JP" dirty="0" smtClean="0"/>
-              <a:t>6</a:t>
-            </a:r>
-            <a:r>
-              <a:rPr lang="en-US" altLang="ja-JP" dirty="0" smtClean="0"/>
-              <a:t>_</a:t>
-            </a:r>
-            <a:r>
-              <a:rPr lang="en-US" altLang="ja-JP" dirty="0" smtClean="0"/>
-              <a:t>9_5</a:t>
-            </a:r>
-            <a:endParaRPr kumimoji="1" lang="ja-JP" altLang="en-US" dirty="0"/>
-          </a:p>
-        </p:txBody>
-      </p:sp>
-      <p:sp>
-        <p:nvSpPr>
-          <p:cNvPr id="7" name="テキスト ボックス 6"/>
-          <p:cNvSpPr txBox="1"/>
-          <p:nvPr/>
-        </p:nvSpPr>
-        <p:spPr>
-          <a:xfrm>
-            <a:off x="291635" y="3162708"/>
-            <a:ext cx="1686091" cy="369332"/>
-          </a:xfrm>
-          <a:prstGeom prst="rect">
-            <a:avLst/>
-          </a:prstGeom>
-          <a:noFill/>
-        </p:spPr>
-        <p:txBody>
-          <a:bodyPr wrap="none" rtlCol="0">
-            <a:spAutoFit/>
-          </a:bodyPr>
-          <a:lstStyle/>
-          <a:p>
-            <a:r>
-              <a:rPr lang="en-US" altLang="ja-JP" dirty="0" smtClean="0"/>
-              <a:t>Challenge</a:t>
-            </a:r>
-            <a:r>
-              <a:rPr lang="en-US" altLang="ja-JP" dirty="0" smtClean="0"/>
-              <a:t>6</a:t>
-            </a:r>
-            <a:r>
-              <a:rPr lang="en-US" altLang="ja-JP" dirty="0" smtClean="0"/>
-              <a:t>_</a:t>
-            </a:r>
-            <a:r>
-              <a:rPr lang="en-US" altLang="ja-JP" dirty="0" smtClean="0"/>
-              <a:t>9_6</a:t>
-            </a:r>
-            <a:endParaRPr kumimoji="1" lang="ja-JP" altLang="en-US" dirty="0"/>
-          </a:p>
-        </p:txBody>
-      </p:sp>
-    </p:spTree>
-    <p:extLst>
-      <p:ext uri="{BB962C8B-B14F-4D97-AF65-F5344CB8AC3E}">
-        <p14:creationId xmlns:p14="http://schemas.microsoft.com/office/powerpoint/2010/main" val="1409052776"/>
       </p:ext>
     </p:extLst>
   </p:cSld>
